--- a/document/MC_Final.pptx
+++ b/document/MC_Final.pptx
@@ -4,6 +4,9 @@
   <p:sldMasterIdLst>
     <p:sldMasterId id="2147483648" r:id="rId1"/>
   </p:sldMasterIdLst>
+  <p:notesMasterIdLst>
+    <p:notesMasterId r:id="rId25"/>
+  </p:notesMasterIdLst>
   <p:sldIdLst>
     <p:sldId id="262" r:id="rId2"/>
     <p:sldId id="257" r:id="rId3"/>
@@ -34,16 +37,16 @@
   <p:embeddedFontLst>
     <p:embeddedFont>
       <p:font typeface="맑은 고딕" pitchFamily="50" charset="-127"/>
-      <p:regular r:id="rId25"/>
-      <p:bold r:id="rId26"/>
+      <p:regular r:id="rId26"/>
+      <p:bold r:id="rId27"/>
     </p:embeddedFont>
     <p:embeddedFont>
       <p:font typeface="08서울남산체 B" pitchFamily="18" charset="-127"/>
-      <p:regular r:id="rId27"/>
+      <p:regular r:id="rId28"/>
     </p:embeddedFont>
     <p:embeddedFont>
       <p:font typeface="08서울남산체 M" pitchFamily="18" charset="-127"/>
-      <p:regular r:id="rId28"/>
+      <p:regular r:id="rId29"/>
     </p:embeddedFont>
   </p:embeddedFontLst>
   <p:defaultTextStyle>
@@ -143,10 +146,438 @@
   </p:defaultTextStyle>
   <p:extLst>
     <p:ext uri="{EFAFB233-063F-42B5-8137-9DF3F51BA10A}">
-      <p15:sldGuideLst xmlns="" xmlns:p15="http://schemas.microsoft.com/office/powerpoint/2012/main"/>
+      <p15:sldGuideLst xmlns:p15="http://schemas.microsoft.com/office/powerpoint/2012/main" xmlns=""/>
     </p:ext>
   </p:extLst>
 </p:presentation>
+</file>
+
+<file path=ppt/notesMasters/notesMaster1.xml><?xml version="1.0" encoding="utf-8"?>
+<p:notesMaster xmlns:a="http://schemas.openxmlformats.org/drawingml/2006/main" xmlns:r="http://schemas.openxmlformats.org/officeDocument/2006/relationships" xmlns:p="http://schemas.openxmlformats.org/presentationml/2006/main">
+  <p:cSld>
+    <p:bg>
+      <p:bgRef idx="1001">
+        <a:schemeClr val="bg1"/>
+      </p:bgRef>
+    </p:bg>
+    <p:spTree>
+      <p:nvGrpSpPr>
+        <p:cNvPr id="1" name=""/>
+        <p:cNvGrpSpPr/>
+        <p:nvPr/>
+      </p:nvGrpSpPr>
+      <p:grpSpPr>
+        <a:xfrm>
+          <a:off x="0" y="0"/>
+          <a:ext cx="0" cy="0"/>
+          <a:chOff x="0" y="0"/>
+          <a:chExt cx="0" cy="0"/>
+        </a:xfrm>
+      </p:grpSpPr>
+      <p:sp>
+        <p:nvSpPr>
+          <p:cNvPr id="2" name="머리글 개체 틀 1"/>
+          <p:cNvSpPr>
+            <a:spLocks noGrp="1"/>
+          </p:cNvSpPr>
+          <p:nvPr>
+            <p:ph type="hdr" sz="quarter"/>
+          </p:nvPr>
+        </p:nvSpPr>
+        <p:spPr>
+          <a:xfrm>
+            <a:off x="0" y="0"/>
+            <a:ext cx="2971800" cy="457200"/>
+          </a:xfrm>
+          <a:prstGeom prst="rect">
+            <a:avLst/>
+          </a:prstGeom>
+        </p:spPr>
+        <p:txBody>
+          <a:bodyPr vert="horz" lIns="91440" tIns="45720" rIns="91440" bIns="45720" rtlCol="0"/>
+          <a:lstStyle>
+            <a:lvl1pPr algn="l">
+              <a:defRPr sz="1200"/>
+            </a:lvl1pPr>
+          </a:lstStyle>
+          <a:p>
+            <a:endParaRPr lang="ko-KR" altLang="en-US"/>
+          </a:p>
+        </p:txBody>
+      </p:sp>
+      <p:sp>
+        <p:nvSpPr>
+          <p:cNvPr id="3" name="날짜 개체 틀 2"/>
+          <p:cNvSpPr>
+            <a:spLocks noGrp="1"/>
+          </p:cNvSpPr>
+          <p:nvPr>
+            <p:ph type="dt" idx="1"/>
+          </p:nvPr>
+        </p:nvSpPr>
+        <p:spPr>
+          <a:xfrm>
+            <a:off x="3884613" y="0"/>
+            <a:ext cx="2971800" cy="457200"/>
+          </a:xfrm>
+          <a:prstGeom prst="rect">
+            <a:avLst/>
+          </a:prstGeom>
+        </p:spPr>
+        <p:txBody>
+          <a:bodyPr vert="horz" lIns="91440" tIns="45720" rIns="91440" bIns="45720" rtlCol="0"/>
+          <a:lstStyle>
+            <a:lvl1pPr algn="r">
+              <a:defRPr sz="1200"/>
+            </a:lvl1pPr>
+          </a:lstStyle>
+          <a:p>
+            <a:fld id="{B98B7C58-B007-40EF-80EE-B9DB9A53B879}" type="datetimeFigureOut">
+              <a:rPr lang="ko-KR" altLang="en-US" smtClean="0"/>
+              <a:t>2017-10-20</a:t>
+            </a:fld>
+            <a:endParaRPr lang="ko-KR" altLang="en-US"/>
+          </a:p>
+        </p:txBody>
+      </p:sp>
+      <p:sp>
+        <p:nvSpPr>
+          <p:cNvPr id="4" name="슬라이드 이미지 개체 틀 3"/>
+          <p:cNvSpPr>
+            <a:spLocks noGrp="1" noRot="1" noChangeAspect="1"/>
+          </p:cNvSpPr>
+          <p:nvPr>
+            <p:ph type="sldImg" idx="2"/>
+          </p:nvPr>
+        </p:nvSpPr>
+        <p:spPr>
+          <a:xfrm>
+            <a:off x="381000" y="685800"/>
+            <a:ext cx="6096000" cy="3429000"/>
+          </a:xfrm>
+          <a:prstGeom prst="rect">
+            <a:avLst/>
+          </a:prstGeom>
+          <a:noFill/>
+          <a:ln w="12700">
+            <a:solidFill>
+              <a:prstClr val="black"/>
+            </a:solidFill>
+          </a:ln>
+        </p:spPr>
+        <p:txBody>
+          <a:bodyPr vert="horz" lIns="91440" tIns="45720" rIns="91440" bIns="45720" rtlCol="0" anchor="ctr"/>
+          <a:lstStyle/>
+          <a:p>
+            <a:endParaRPr lang="ko-KR" altLang="en-US"/>
+          </a:p>
+        </p:txBody>
+      </p:sp>
+      <p:sp>
+        <p:nvSpPr>
+          <p:cNvPr id="5" name="슬라이드 노트 개체 틀 4"/>
+          <p:cNvSpPr>
+            <a:spLocks noGrp="1"/>
+          </p:cNvSpPr>
+          <p:nvPr>
+            <p:ph type="body" sz="quarter" idx="3"/>
+          </p:nvPr>
+        </p:nvSpPr>
+        <p:spPr>
+          <a:xfrm>
+            <a:off x="685800" y="4343400"/>
+            <a:ext cx="5486400" cy="4114800"/>
+          </a:xfrm>
+          <a:prstGeom prst="rect">
+            <a:avLst/>
+          </a:prstGeom>
+        </p:spPr>
+        <p:txBody>
+          <a:bodyPr vert="horz" lIns="91440" tIns="45720" rIns="91440" bIns="45720" rtlCol="0">
+            <a:normAutofit/>
+          </a:bodyPr>
+          <a:lstStyle/>
+          <a:p>
+            <a:pPr lvl="0"/>
+            <a:r>
+              <a:rPr lang="ko-KR" altLang="en-US" smtClean="0"/>
+              <a:t>마스터 텍스트 스타일을 편집합니다</a:t>
+            </a:r>
+          </a:p>
+          <a:p>
+            <a:pPr lvl="1"/>
+            <a:r>
+              <a:rPr lang="ko-KR" altLang="en-US" smtClean="0"/>
+              <a:t>둘째 수준</a:t>
+            </a:r>
+          </a:p>
+          <a:p>
+            <a:pPr lvl="2"/>
+            <a:r>
+              <a:rPr lang="ko-KR" altLang="en-US" smtClean="0"/>
+              <a:t>셋째 수준</a:t>
+            </a:r>
+          </a:p>
+          <a:p>
+            <a:pPr lvl="3"/>
+            <a:r>
+              <a:rPr lang="ko-KR" altLang="en-US" smtClean="0"/>
+              <a:t>넷째 수준</a:t>
+            </a:r>
+          </a:p>
+          <a:p>
+            <a:pPr lvl="4"/>
+            <a:r>
+              <a:rPr lang="ko-KR" altLang="en-US" smtClean="0"/>
+              <a:t>다섯째 수준</a:t>
+            </a:r>
+            <a:endParaRPr lang="ko-KR" altLang="en-US"/>
+          </a:p>
+        </p:txBody>
+      </p:sp>
+      <p:sp>
+        <p:nvSpPr>
+          <p:cNvPr id="6" name="바닥글 개체 틀 5"/>
+          <p:cNvSpPr>
+            <a:spLocks noGrp="1"/>
+          </p:cNvSpPr>
+          <p:nvPr>
+            <p:ph type="ftr" sz="quarter" idx="4"/>
+          </p:nvPr>
+        </p:nvSpPr>
+        <p:spPr>
+          <a:xfrm>
+            <a:off x="0" y="8685213"/>
+            <a:ext cx="2971800" cy="457200"/>
+          </a:xfrm>
+          <a:prstGeom prst="rect">
+            <a:avLst/>
+          </a:prstGeom>
+        </p:spPr>
+        <p:txBody>
+          <a:bodyPr vert="horz" lIns="91440" tIns="45720" rIns="91440" bIns="45720" rtlCol="0" anchor="b"/>
+          <a:lstStyle>
+            <a:lvl1pPr algn="l">
+              <a:defRPr sz="1200"/>
+            </a:lvl1pPr>
+          </a:lstStyle>
+          <a:p>
+            <a:endParaRPr lang="ko-KR" altLang="en-US"/>
+          </a:p>
+        </p:txBody>
+      </p:sp>
+      <p:sp>
+        <p:nvSpPr>
+          <p:cNvPr id="7" name="슬라이드 번호 개체 틀 6"/>
+          <p:cNvSpPr>
+            <a:spLocks noGrp="1"/>
+          </p:cNvSpPr>
+          <p:nvPr>
+            <p:ph type="sldNum" sz="quarter" idx="5"/>
+          </p:nvPr>
+        </p:nvSpPr>
+        <p:spPr>
+          <a:xfrm>
+            <a:off x="3884613" y="8685213"/>
+            <a:ext cx="2971800" cy="457200"/>
+          </a:xfrm>
+          <a:prstGeom prst="rect">
+            <a:avLst/>
+          </a:prstGeom>
+        </p:spPr>
+        <p:txBody>
+          <a:bodyPr vert="horz" lIns="91440" tIns="45720" rIns="91440" bIns="45720" rtlCol="0" anchor="b"/>
+          <a:lstStyle>
+            <a:lvl1pPr algn="r">
+              <a:defRPr sz="1200"/>
+            </a:lvl1pPr>
+          </a:lstStyle>
+          <a:p>
+            <a:fld id="{064B8F7C-A02F-4E87-83ED-0C160AE7C3E6}" type="slidenum">
+              <a:rPr lang="ko-KR" altLang="en-US" smtClean="0"/>
+              <a:t>‹#›</a:t>
+            </a:fld>
+            <a:endParaRPr lang="ko-KR" altLang="en-US"/>
+          </a:p>
+        </p:txBody>
+      </p:sp>
+    </p:spTree>
+  </p:cSld>
+  <p:clrMap bg1="lt1" tx1="dk1" bg2="lt2" tx2="dk2" accent1="accent1" accent2="accent2" accent3="accent3" accent4="accent4" accent5="accent5" accent6="accent6" hlink="hlink" folHlink="folHlink"/>
+  <p:notesStyle>
+    <a:lvl1pPr marL="0" algn="l" defTabSz="914400" rtl="0" eaLnBrk="1" latinLnBrk="1" hangingPunct="1">
+      <a:defRPr sz="1200" kern="1200">
+        <a:solidFill>
+          <a:schemeClr val="tx1"/>
+        </a:solidFill>
+        <a:latin typeface="+mn-lt"/>
+        <a:ea typeface="+mn-ea"/>
+        <a:cs typeface="+mn-cs"/>
+      </a:defRPr>
+    </a:lvl1pPr>
+    <a:lvl2pPr marL="457200" algn="l" defTabSz="914400" rtl="0" eaLnBrk="1" latinLnBrk="1" hangingPunct="1">
+      <a:defRPr sz="1200" kern="1200">
+        <a:solidFill>
+          <a:schemeClr val="tx1"/>
+        </a:solidFill>
+        <a:latin typeface="+mn-lt"/>
+        <a:ea typeface="+mn-ea"/>
+        <a:cs typeface="+mn-cs"/>
+      </a:defRPr>
+    </a:lvl2pPr>
+    <a:lvl3pPr marL="914400" algn="l" defTabSz="914400" rtl="0" eaLnBrk="1" latinLnBrk="1" hangingPunct="1">
+      <a:defRPr sz="1200" kern="1200">
+        <a:solidFill>
+          <a:schemeClr val="tx1"/>
+        </a:solidFill>
+        <a:latin typeface="+mn-lt"/>
+        <a:ea typeface="+mn-ea"/>
+        <a:cs typeface="+mn-cs"/>
+      </a:defRPr>
+    </a:lvl3pPr>
+    <a:lvl4pPr marL="1371600" algn="l" defTabSz="914400" rtl="0" eaLnBrk="1" latinLnBrk="1" hangingPunct="1">
+      <a:defRPr sz="1200" kern="1200">
+        <a:solidFill>
+          <a:schemeClr val="tx1"/>
+        </a:solidFill>
+        <a:latin typeface="+mn-lt"/>
+        <a:ea typeface="+mn-ea"/>
+        <a:cs typeface="+mn-cs"/>
+      </a:defRPr>
+    </a:lvl4pPr>
+    <a:lvl5pPr marL="1828800" algn="l" defTabSz="914400" rtl="0" eaLnBrk="1" latinLnBrk="1" hangingPunct="1">
+      <a:defRPr sz="1200" kern="1200">
+        <a:solidFill>
+          <a:schemeClr val="tx1"/>
+        </a:solidFill>
+        <a:latin typeface="+mn-lt"/>
+        <a:ea typeface="+mn-ea"/>
+        <a:cs typeface="+mn-cs"/>
+      </a:defRPr>
+    </a:lvl5pPr>
+    <a:lvl6pPr marL="2286000" algn="l" defTabSz="914400" rtl="0" eaLnBrk="1" latinLnBrk="1" hangingPunct="1">
+      <a:defRPr sz="1200" kern="1200">
+        <a:solidFill>
+          <a:schemeClr val="tx1"/>
+        </a:solidFill>
+        <a:latin typeface="+mn-lt"/>
+        <a:ea typeface="+mn-ea"/>
+        <a:cs typeface="+mn-cs"/>
+      </a:defRPr>
+    </a:lvl6pPr>
+    <a:lvl7pPr marL="2743200" algn="l" defTabSz="914400" rtl="0" eaLnBrk="1" latinLnBrk="1" hangingPunct="1">
+      <a:defRPr sz="1200" kern="1200">
+        <a:solidFill>
+          <a:schemeClr val="tx1"/>
+        </a:solidFill>
+        <a:latin typeface="+mn-lt"/>
+        <a:ea typeface="+mn-ea"/>
+        <a:cs typeface="+mn-cs"/>
+      </a:defRPr>
+    </a:lvl7pPr>
+    <a:lvl8pPr marL="3200400" algn="l" defTabSz="914400" rtl="0" eaLnBrk="1" latinLnBrk="1" hangingPunct="1">
+      <a:defRPr sz="1200" kern="1200">
+        <a:solidFill>
+          <a:schemeClr val="tx1"/>
+        </a:solidFill>
+        <a:latin typeface="+mn-lt"/>
+        <a:ea typeface="+mn-ea"/>
+        <a:cs typeface="+mn-cs"/>
+      </a:defRPr>
+    </a:lvl8pPr>
+    <a:lvl9pPr marL="3657600" algn="l" defTabSz="914400" rtl="0" eaLnBrk="1" latinLnBrk="1" hangingPunct="1">
+      <a:defRPr sz="1200" kern="1200">
+        <a:solidFill>
+          <a:schemeClr val="tx1"/>
+        </a:solidFill>
+        <a:latin typeface="+mn-lt"/>
+        <a:ea typeface="+mn-ea"/>
+        <a:cs typeface="+mn-cs"/>
+      </a:defRPr>
+    </a:lvl9pPr>
+  </p:notesStyle>
+</p:notesMaster>
+</file>
+
+<file path=ppt/notesSlides/notesSlide1.xml><?xml version="1.0" encoding="utf-8"?>
+<p:notes xmlns:a="http://schemas.openxmlformats.org/drawingml/2006/main" xmlns:r="http://schemas.openxmlformats.org/officeDocument/2006/relationships" xmlns:p="http://schemas.openxmlformats.org/presentationml/2006/main">
+  <p:cSld>
+    <p:spTree>
+      <p:nvGrpSpPr>
+        <p:cNvPr id="1" name=""/>
+        <p:cNvGrpSpPr/>
+        <p:nvPr/>
+      </p:nvGrpSpPr>
+      <p:grpSpPr>
+        <a:xfrm>
+          <a:off x="0" y="0"/>
+          <a:ext cx="0" cy="0"/>
+          <a:chOff x="0" y="0"/>
+          <a:chExt cx="0" cy="0"/>
+        </a:xfrm>
+      </p:grpSpPr>
+      <p:sp>
+        <p:nvSpPr>
+          <p:cNvPr id="2" name="슬라이드 이미지 개체 틀 1"/>
+          <p:cNvSpPr>
+            <a:spLocks noGrp="1" noRot="1" noChangeAspect="1"/>
+          </p:cNvSpPr>
+          <p:nvPr>
+            <p:ph type="sldImg"/>
+          </p:nvPr>
+        </p:nvSpPr>
+        <p:spPr/>
+      </p:sp>
+      <p:sp>
+        <p:nvSpPr>
+          <p:cNvPr id="3" name="슬라이드 노트 개체 틀 2"/>
+          <p:cNvSpPr>
+            <a:spLocks noGrp="1"/>
+          </p:cNvSpPr>
+          <p:nvPr>
+            <p:ph type="body" idx="1"/>
+          </p:nvPr>
+        </p:nvSpPr>
+        <p:spPr/>
+        <p:txBody>
+          <a:bodyPr>
+            <a:normAutofit/>
+          </a:bodyPr>
+          <a:lstStyle/>
+          <a:p>
+            <a:endParaRPr lang="ko-KR" altLang="en-US" dirty="0"/>
+          </a:p>
+        </p:txBody>
+      </p:sp>
+      <p:sp>
+        <p:nvSpPr>
+          <p:cNvPr id="4" name="슬라이드 번호 개체 틀 3"/>
+          <p:cNvSpPr>
+            <a:spLocks noGrp="1"/>
+          </p:cNvSpPr>
+          <p:nvPr>
+            <p:ph type="sldNum" sz="quarter" idx="10"/>
+          </p:nvPr>
+        </p:nvSpPr>
+        <p:spPr/>
+        <p:txBody>
+          <a:bodyPr/>
+          <a:lstStyle/>
+          <a:p>
+            <a:fld id="{064B8F7C-A02F-4E87-83ED-0C160AE7C3E6}" type="slidenum">
+              <a:rPr lang="ko-KR" altLang="en-US" smtClean="0"/>
+              <a:t>14</a:t>
+            </a:fld>
+            <a:endParaRPr lang="ko-KR" altLang="en-US"/>
+          </a:p>
+        </p:txBody>
+      </p:sp>
+    </p:spTree>
+  </p:cSld>
+  <p:clrMapOvr>
+    <a:masterClrMapping/>
+  </p:clrMapOvr>
+</p:notes>
 </file>
 
 <file path=ppt/slideLayouts/slideLayout1.xml><?xml version="1.0" encoding="utf-8"?>
@@ -331,7 +762,7 @@
     </p:spTree>
     <p:extLst>
       <p:ext uri="{BB962C8B-B14F-4D97-AF65-F5344CB8AC3E}">
-        <p14:creationId xmlns="" xmlns:p14="http://schemas.microsoft.com/office/powerpoint/2010/main" val="4172835749"/>
+        <p14:creationId xmlns:p14="http://schemas.microsoft.com/office/powerpoint/2010/main" xmlns="" val="4172835749"/>
       </p:ext>
     </p:extLst>
   </p:cSld>
@@ -501,7 +932,7 @@
     </p:spTree>
     <p:extLst>
       <p:ext uri="{BB962C8B-B14F-4D97-AF65-F5344CB8AC3E}">
-        <p14:creationId xmlns="" xmlns:p14="http://schemas.microsoft.com/office/powerpoint/2010/main" val="372007782"/>
+        <p14:creationId xmlns:p14="http://schemas.microsoft.com/office/powerpoint/2010/main" xmlns="" val="372007782"/>
       </p:ext>
     </p:extLst>
   </p:cSld>
@@ -681,7 +1112,7 @@
     </p:spTree>
     <p:extLst>
       <p:ext uri="{BB962C8B-B14F-4D97-AF65-F5344CB8AC3E}">
-        <p14:creationId xmlns="" xmlns:p14="http://schemas.microsoft.com/office/powerpoint/2010/main" val="3405707672"/>
+        <p14:creationId xmlns:p14="http://schemas.microsoft.com/office/powerpoint/2010/main" xmlns="" val="3405707672"/>
       </p:ext>
     </p:extLst>
   </p:cSld>
@@ -851,7 +1282,7 @@
     </p:spTree>
     <p:extLst>
       <p:ext uri="{BB962C8B-B14F-4D97-AF65-F5344CB8AC3E}">
-        <p14:creationId xmlns="" xmlns:p14="http://schemas.microsoft.com/office/powerpoint/2010/main" val="2203690375"/>
+        <p14:creationId xmlns:p14="http://schemas.microsoft.com/office/powerpoint/2010/main" xmlns="" val="2203690375"/>
       </p:ext>
     </p:extLst>
   </p:cSld>
@@ -1098,7 +1529,7 @@
     </p:spTree>
     <p:extLst>
       <p:ext uri="{BB962C8B-B14F-4D97-AF65-F5344CB8AC3E}">
-        <p14:creationId xmlns="" xmlns:p14="http://schemas.microsoft.com/office/powerpoint/2010/main" val="1341295756"/>
+        <p14:creationId xmlns:p14="http://schemas.microsoft.com/office/powerpoint/2010/main" xmlns="" val="1341295756"/>
       </p:ext>
     </p:extLst>
   </p:cSld>
@@ -1329,7 +1760,7 @@
     </p:spTree>
     <p:extLst>
       <p:ext uri="{BB962C8B-B14F-4D97-AF65-F5344CB8AC3E}">
-        <p14:creationId xmlns="" xmlns:p14="http://schemas.microsoft.com/office/powerpoint/2010/main" val="3415959856"/>
+        <p14:creationId xmlns:p14="http://schemas.microsoft.com/office/powerpoint/2010/main" xmlns="" val="3415959856"/>
       </p:ext>
     </p:extLst>
   </p:cSld>
@@ -1695,7 +2126,7 @@
     </p:spTree>
     <p:extLst>
       <p:ext uri="{BB962C8B-B14F-4D97-AF65-F5344CB8AC3E}">
-        <p14:creationId xmlns="" xmlns:p14="http://schemas.microsoft.com/office/powerpoint/2010/main" val="1320095139"/>
+        <p14:creationId xmlns:p14="http://schemas.microsoft.com/office/powerpoint/2010/main" xmlns="" val="1320095139"/>
       </p:ext>
     </p:extLst>
   </p:cSld>
@@ -1814,7 +2245,7 @@
     </p:spTree>
     <p:extLst>
       <p:ext uri="{BB962C8B-B14F-4D97-AF65-F5344CB8AC3E}">
-        <p14:creationId xmlns="" xmlns:p14="http://schemas.microsoft.com/office/powerpoint/2010/main" val="2800759945"/>
+        <p14:creationId xmlns:p14="http://schemas.microsoft.com/office/powerpoint/2010/main" xmlns="" val="2800759945"/>
       </p:ext>
     </p:extLst>
   </p:cSld>
@@ -1911,7 +2342,7 @@
     </p:spTree>
     <p:extLst>
       <p:ext uri="{BB962C8B-B14F-4D97-AF65-F5344CB8AC3E}">
-        <p14:creationId xmlns="" xmlns:p14="http://schemas.microsoft.com/office/powerpoint/2010/main" val="2790592362"/>
+        <p14:creationId xmlns:p14="http://schemas.microsoft.com/office/powerpoint/2010/main" xmlns="" val="2790592362"/>
       </p:ext>
     </p:extLst>
   </p:cSld>
@@ -2188,7 +2619,7 @@
     </p:spTree>
     <p:extLst>
       <p:ext uri="{BB962C8B-B14F-4D97-AF65-F5344CB8AC3E}">
-        <p14:creationId xmlns="" xmlns:p14="http://schemas.microsoft.com/office/powerpoint/2010/main" val="864810247"/>
+        <p14:creationId xmlns:p14="http://schemas.microsoft.com/office/powerpoint/2010/main" xmlns="" val="864810247"/>
       </p:ext>
     </p:extLst>
   </p:cSld>
@@ -2442,7 +2873,7 @@
     </p:spTree>
     <p:extLst>
       <p:ext uri="{BB962C8B-B14F-4D97-AF65-F5344CB8AC3E}">
-        <p14:creationId xmlns="" xmlns:p14="http://schemas.microsoft.com/office/powerpoint/2010/main" val="1906259343"/>
+        <p14:creationId xmlns:p14="http://schemas.microsoft.com/office/powerpoint/2010/main" xmlns="" val="1906259343"/>
       </p:ext>
     </p:extLst>
   </p:cSld>
@@ -2691,7 +3122,7 @@
     </p:spTree>
     <p:extLst>
       <p:ext uri="{BB962C8B-B14F-4D97-AF65-F5344CB8AC3E}">
-        <p14:creationId xmlns="" xmlns:p14="http://schemas.microsoft.com/office/powerpoint/2010/main" val="3584129417"/>
+        <p14:creationId xmlns:p14="http://schemas.microsoft.com/office/powerpoint/2010/main" xmlns="" val="3584129417"/>
       </p:ext>
     </p:extLst>
   </p:cSld>
@@ -3021,7 +3452,7 @@
           <a:blip r:embed="rId2">
             <a:extLst>
               <a:ext uri="{28A0092B-C50C-407E-A947-70E740481C1C}">
-                <a14:useLocalDpi xmlns="" xmlns:a14="http://schemas.microsoft.com/office/drawing/2010/main" val="0"/>
+                <a14:useLocalDpi xmlns:a14="http://schemas.microsoft.com/office/drawing/2010/main" xmlns="" val="0"/>
               </a:ext>
             </a:extLst>
           </a:blip>
@@ -3551,7 +3982,7 @@
     </p:spTree>
     <p:extLst>
       <p:ext uri="{BB962C8B-B14F-4D97-AF65-F5344CB8AC3E}">
-        <p14:creationId xmlns="" xmlns:p14="http://schemas.microsoft.com/office/powerpoint/2010/main" val="1628865441"/>
+        <p14:creationId xmlns:p14="http://schemas.microsoft.com/office/powerpoint/2010/main" xmlns="" val="1628865441"/>
       </p:ext>
     </p:extLst>
   </p:cSld>
@@ -4185,7 +4616,7 @@
     </p:spTree>
     <p:extLst>
       <p:ext uri="{BB962C8B-B14F-4D97-AF65-F5344CB8AC3E}">
-        <p14:creationId xmlns="" xmlns:p14="http://schemas.microsoft.com/office/powerpoint/2010/main" val="1372875948"/>
+        <p14:creationId xmlns:p14="http://schemas.microsoft.com/office/powerpoint/2010/main" xmlns="" val="1372875948"/>
       </p:ext>
     </p:extLst>
   </p:cSld>
@@ -5005,10 +5436,10 @@
                 <a:latin typeface="08서울남산체 M" panose="02020603020101020101" pitchFamily="18" charset="-127"/>
                 <a:ea typeface="08서울남산체 M" panose="02020603020101020101" pitchFamily="18" charset="-127"/>
               </a:rPr>
-              <a:t>&lt;</a:t>
-            </a:r>
-            <a:r>
-              <a:rPr lang="en-US" altLang="ko-KR" sz="1800" dirty="0" smtClean="0">
+              <a:t>&lt;Controller</a:t>
+            </a:r>
+            <a:r>
+              <a:rPr lang="ko-KR" altLang="en-US" sz="1800" dirty="0" smtClean="0">
                 <a:ln>
                   <a:solidFill>
                     <a:schemeClr val="bg1">
@@ -5020,10 +5451,10 @@
                 <a:latin typeface="08서울남산체 M" panose="02020603020101020101" pitchFamily="18" charset="-127"/>
                 <a:ea typeface="08서울남산체 M" panose="02020603020101020101" pitchFamily="18" charset="-127"/>
               </a:rPr>
-              <a:t>Controller</a:t>
-            </a:r>
-            <a:r>
-              <a:rPr lang="ko-KR" altLang="en-US" sz="1800" dirty="0" smtClean="0">
+              <a:t> 및 </a:t>
+            </a:r>
+            <a:r>
+              <a:rPr lang="en-US" altLang="ko-KR" sz="1800" dirty="0" smtClean="0">
                 <a:ln>
                   <a:solidFill>
                     <a:schemeClr val="bg1">
@@ -5035,37 +5466,7 @@
                 <a:latin typeface="08서울남산체 M" panose="02020603020101020101" pitchFamily="18" charset="-127"/>
                 <a:ea typeface="08서울남산체 M" panose="02020603020101020101" pitchFamily="18" charset="-127"/>
               </a:rPr>
-              <a:t> 및 </a:t>
-            </a:r>
-            <a:r>
-              <a:rPr lang="en-US" altLang="ko-KR" sz="1800" dirty="0" smtClean="0">
-                <a:ln>
-                  <a:solidFill>
-                    <a:schemeClr val="bg1">
-                      <a:lumMod val="95000"/>
-                      <a:alpha val="25000"/>
-                    </a:schemeClr>
-                  </a:solidFill>
-                </a:ln>
-                <a:latin typeface="08서울남산체 M" panose="02020603020101020101" pitchFamily="18" charset="-127"/>
-                <a:ea typeface="08서울남산체 M" panose="02020603020101020101" pitchFamily="18" charset="-127"/>
-              </a:rPr>
-              <a:t>VO</a:t>
-            </a:r>
-            <a:r>
-              <a:rPr lang="en-US" altLang="ko-KR" sz="1800" dirty="0" smtClean="0">
-                <a:ln>
-                  <a:solidFill>
-                    <a:schemeClr val="bg1">
-                      <a:lumMod val="95000"/>
-                      <a:alpha val="25000"/>
-                    </a:schemeClr>
-                  </a:solidFill>
-                </a:ln>
-                <a:latin typeface="08서울남산체 M" panose="02020603020101020101" pitchFamily="18" charset="-127"/>
-                <a:ea typeface="08서울남산체 M" panose="02020603020101020101" pitchFamily="18" charset="-127"/>
-              </a:rPr>
-              <a:t>&gt;</a:t>
+              <a:t>VO&gt;</a:t>
             </a:r>
             <a:endParaRPr lang="ko-KR" altLang="en-US" sz="1800" dirty="0">
               <a:ln>
@@ -5219,7 +5620,7 @@
     </p:spTree>
     <p:extLst>
       <p:ext uri="{BB962C8B-B14F-4D97-AF65-F5344CB8AC3E}">
-        <p14:creationId xmlns="" xmlns:p14="http://schemas.microsoft.com/office/powerpoint/2010/main" val="1372875948"/>
+        <p14:creationId xmlns:p14="http://schemas.microsoft.com/office/powerpoint/2010/main" xmlns="" val="1372875948"/>
       </p:ext>
     </p:extLst>
   </p:cSld>
@@ -5379,7 +5780,7 @@
           <a:blip r:embed="rId2">
             <a:extLst>
               <a:ext uri="{28A0092B-C50C-407E-A947-70E740481C1C}">
-                <a14:useLocalDpi xmlns="" xmlns:a14="http://schemas.microsoft.com/office/drawing/2010/main" val="0"/>
+                <a14:useLocalDpi xmlns:a14="http://schemas.microsoft.com/office/drawing/2010/main" xmlns="" val="0"/>
               </a:ext>
             </a:extLst>
           </a:blip>
@@ -5777,7 +6178,7 @@
     </p:spTree>
     <p:extLst>
       <p:ext uri="{BB962C8B-B14F-4D97-AF65-F5344CB8AC3E}">
-        <p14:creationId xmlns="" xmlns:p14="http://schemas.microsoft.com/office/powerpoint/2010/main" val="4213415446"/>
+        <p14:creationId xmlns:p14="http://schemas.microsoft.com/office/powerpoint/2010/main" xmlns="" val="4213415446"/>
       </p:ext>
     </p:extLst>
   </p:cSld>
@@ -6126,22 +6527,7 @@
                 <a:latin typeface="08서울남산체 M" panose="02020603020101020101" pitchFamily="18" charset="-127"/>
                 <a:ea typeface="08서울남산체 M" panose="02020603020101020101" pitchFamily="18" charset="-127"/>
               </a:rPr>
-              <a:t>◈ </a:t>
-            </a:r>
-            <a:r>
-              <a:rPr lang="ko-KR" altLang="en-US" sz="2000" dirty="0" smtClean="0">
-                <a:ln>
-                  <a:solidFill>
-                    <a:schemeClr val="bg1">
-                      <a:lumMod val="95000"/>
-                      <a:alpha val="25000"/>
-                    </a:schemeClr>
-                  </a:solidFill>
-                </a:ln>
-                <a:latin typeface="08서울남산체 M" panose="02020603020101020101" pitchFamily="18" charset="-127"/>
-                <a:ea typeface="08서울남산체 M" panose="02020603020101020101" pitchFamily="18" charset="-127"/>
-              </a:rPr>
-              <a:t>명찬호</a:t>
+              <a:t>◈ 명찬호</a:t>
             </a:r>
             <a:endParaRPr lang="en-US" altLang="ko-KR" sz="2000" dirty="0" smtClean="0">
               <a:ln>
@@ -6184,22 +6570,7 @@
                 <a:latin typeface="08서울남산체 M" panose="02020603020101020101" pitchFamily="18" charset="-127"/>
                 <a:ea typeface="08서울남산체 M" panose="02020603020101020101" pitchFamily="18" charset="-127"/>
               </a:rPr>
-              <a:t> </a:t>
-            </a:r>
-            <a:r>
-              <a:rPr lang="en-US" altLang="ko-KR" sz="2000" dirty="0" smtClean="0">
-                <a:ln>
-                  <a:solidFill>
-                    <a:schemeClr val="bg1">
-                      <a:lumMod val="95000"/>
-                      <a:alpha val="25000"/>
-                    </a:schemeClr>
-                  </a:solidFill>
-                </a:ln>
-                <a:latin typeface="08서울남산체 M" panose="02020603020101020101" pitchFamily="18" charset="-127"/>
-                <a:ea typeface="08서울남산체 M" panose="02020603020101020101" pitchFamily="18" charset="-127"/>
-              </a:rPr>
-              <a:t>   </a:t>
+              <a:t>    </a:t>
             </a:r>
             <a:r>
               <a:rPr lang="en-US" altLang="ko-KR" sz="2000" dirty="0" err="1" smtClean="0">
@@ -6317,22 +6688,7 @@
                 <a:latin typeface="08서울남산체 M" panose="02020603020101020101" pitchFamily="18" charset="-127"/>
                 <a:ea typeface="08서울남산체 M" panose="02020603020101020101" pitchFamily="18" charset="-127"/>
               </a:rPr>
-              <a:t> </a:t>
-            </a:r>
-            <a:r>
-              <a:rPr lang="en-US" altLang="ko-KR" sz="2000" dirty="0" smtClean="0">
-                <a:ln>
-                  <a:solidFill>
-                    <a:schemeClr val="bg1">
-                      <a:lumMod val="95000"/>
-                      <a:alpha val="25000"/>
-                    </a:schemeClr>
-                  </a:solidFill>
-                </a:ln>
-                <a:latin typeface="08서울남산체 M" panose="02020603020101020101" pitchFamily="18" charset="-127"/>
-                <a:ea typeface="08서울남산체 M" panose="02020603020101020101" pitchFamily="18" charset="-127"/>
-              </a:rPr>
-              <a:t>   </a:t>
+              <a:t>    </a:t>
             </a:r>
             <a:r>
               <a:rPr lang="ko-KR" altLang="en-US" sz="2000" dirty="0" smtClean="0">
@@ -6526,22 +6882,7 @@
                 <a:latin typeface="08서울남산체 M" panose="02020603020101020101" pitchFamily="18" charset="-127"/>
                 <a:ea typeface="08서울남산체 M" panose="02020603020101020101" pitchFamily="18" charset="-127"/>
               </a:rPr>
-              <a:t>◈ </a:t>
-            </a:r>
-            <a:r>
-              <a:rPr lang="ko-KR" altLang="en-US" sz="2000" dirty="0" smtClean="0">
-                <a:ln>
-                  <a:solidFill>
-                    <a:schemeClr val="bg1">
-                      <a:lumMod val="95000"/>
-                      <a:alpha val="25000"/>
-                    </a:schemeClr>
-                  </a:solidFill>
-                </a:ln>
-                <a:latin typeface="08서울남산체 M" panose="02020603020101020101" pitchFamily="18" charset="-127"/>
-                <a:ea typeface="08서울남산체 M" panose="02020603020101020101" pitchFamily="18" charset="-127"/>
-              </a:rPr>
-              <a:t>홍준석</a:t>
+              <a:t>◈ 홍준석</a:t>
             </a:r>
             <a:endParaRPr lang="en-US" altLang="ko-KR" sz="2000" dirty="0" smtClean="0">
               <a:ln>
@@ -6584,22 +6925,7 @@
                 <a:latin typeface="08서울남산체 M" panose="02020603020101020101" pitchFamily="18" charset="-127"/>
                 <a:ea typeface="08서울남산체 M" panose="02020603020101020101" pitchFamily="18" charset="-127"/>
               </a:rPr>
-              <a:t> </a:t>
-            </a:r>
-            <a:r>
-              <a:rPr lang="en-US" altLang="ko-KR" sz="2000" dirty="0" smtClean="0">
-                <a:ln>
-                  <a:solidFill>
-                    <a:schemeClr val="bg1">
-                      <a:lumMod val="95000"/>
-                      <a:alpha val="25000"/>
-                    </a:schemeClr>
-                  </a:solidFill>
-                </a:ln>
-                <a:latin typeface="08서울남산체 M" panose="02020603020101020101" pitchFamily="18" charset="-127"/>
-                <a:ea typeface="08서울남산체 M" panose="02020603020101020101" pitchFamily="18" charset="-127"/>
-              </a:rPr>
-              <a:t>   </a:t>
+              <a:t>    </a:t>
             </a:r>
             <a:r>
               <a:rPr lang="ko-KR" altLang="en-US" sz="2000" dirty="0" smtClean="0">
@@ -6723,22 +7049,7 @@
                 <a:latin typeface="08서울남산체 M" panose="02020603020101020101" pitchFamily="18" charset="-127"/>
                 <a:ea typeface="08서울남산체 M" panose="02020603020101020101" pitchFamily="18" charset="-127"/>
               </a:rPr>
-              <a:t>◈ </a:t>
-            </a:r>
-            <a:r>
-              <a:rPr lang="ko-KR" altLang="en-US" sz="2000" dirty="0" smtClean="0">
-                <a:ln>
-                  <a:solidFill>
-                    <a:schemeClr val="bg1">
-                      <a:lumMod val="95000"/>
-                      <a:alpha val="25000"/>
-                    </a:schemeClr>
-                  </a:solidFill>
-                </a:ln>
-                <a:latin typeface="08서울남산체 M" panose="02020603020101020101" pitchFamily="18" charset="-127"/>
-                <a:ea typeface="08서울남산체 M" panose="02020603020101020101" pitchFamily="18" charset="-127"/>
-              </a:rPr>
-              <a:t>강남구</a:t>
+              <a:t>◈ 강남구</a:t>
             </a:r>
             <a:endParaRPr lang="en-US" altLang="ko-KR" sz="2000" dirty="0" smtClean="0">
               <a:ln>
@@ -6825,10 +7136,10 @@
                 <a:latin typeface="08서울남산체 M" panose="02020603020101020101" pitchFamily="18" charset="-127"/>
                 <a:ea typeface="08서울남산체 M" panose="02020603020101020101" pitchFamily="18" charset="-127"/>
               </a:rPr>
-              <a:t> </a:t>
-            </a:r>
-            <a:r>
-              <a:rPr lang="en-US" altLang="ko-KR" sz="2000" dirty="0" smtClean="0">
+              <a:t>    </a:t>
+            </a:r>
+            <a:r>
+              <a:rPr lang="ko-KR" altLang="en-US" sz="2000" dirty="0" err="1" smtClean="0">
                 <a:ln>
                   <a:solidFill>
                     <a:schemeClr val="bg1">
@@ -6840,10 +7151,10 @@
                 <a:latin typeface="08서울남산체 M" panose="02020603020101020101" pitchFamily="18" charset="-127"/>
                 <a:ea typeface="08서울남산체 M" panose="02020603020101020101" pitchFamily="18" charset="-127"/>
               </a:rPr>
-              <a:t>   </a:t>
-            </a:r>
-            <a:r>
-              <a:rPr lang="ko-KR" altLang="en-US" sz="2000" dirty="0" err="1" smtClean="0">
+              <a:t>중탈자로</a:t>
+            </a:r>
+            <a:r>
+              <a:rPr lang="ko-KR" altLang="en-US" sz="2000" dirty="0" smtClean="0">
                 <a:ln>
                   <a:solidFill>
                     <a:schemeClr val="bg1">
@@ -6855,10 +7166,10 @@
                 <a:latin typeface="08서울남산체 M" panose="02020603020101020101" pitchFamily="18" charset="-127"/>
                 <a:ea typeface="08서울남산체 M" panose="02020603020101020101" pitchFamily="18" charset="-127"/>
               </a:rPr>
-              <a:t>중탈자로</a:t>
-            </a:r>
-            <a:r>
-              <a:rPr lang="ko-KR" altLang="en-US" sz="2000" dirty="0" smtClean="0">
+              <a:t> 인한 인수인계</a:t>
+            </a:r>
+            <a:r>
+              <a:rPr lang="en-US" altLang="ko-KR" sz="2000" dirty="0" smtClean="0">
                 <a:ln>
                   <a:solidFill>
                     <a:schemeClr val="bg1">
@@ -6870,10 +7181,10 @@
                 <a:latin typeface="08서울남산체 M" panose="02020603020101020101" pitchFamily="18" charset="-127"/>
                 <a:ea typeface="08서울남산체 M" panose="02020603020101020101" pitchFamily="18" charset="-127"/>
               </a:rPr>
-              <a:t> 인한 인수인계</a:t>
-            </a:r>
-            <a:r>
-              <a:rPr lang="en-US" altLang="ko-KR" sz="2000" dirty="0" smtClean="0">
+              <a:t>(</a:t>
+            </a:r>
+            <a:r>
+              <a:rPr lang="ko-KR" altLang="en-US" sz="2000" dirty="0" smtClean="0">
                 <a:ln>
                   <a:solidFill>
                     <a:schemeClr val="bg1">
@@ -6885,10 +7196,10 @@
                 <a:latin typeface="08서울남산체 M" panose="02020603020101020101" pitchFamily="18" charset="-127"/>
                 <a:ea typeface="08서울남산체 M" panose="02020603020101020101" pitchFamily="18" charset="-127"/>
               </a:rPr>
-              <a:t>(</a:t>
-            </a:r>
-            <a:r>
-              <a:rPr lang="ko-KR" altLang="en-US" sz="2000" dirty="0" smtClean="0">
+              <a:t>오수빈</a:t>
+            </a:r>
+            <a:r>
+              <a:rPr lang="en-US" altLang="ko-KR" sz="2000" dirty="0" smtClean="0">
                 <a:ln>
                   <a:solidFill>
                     <a:schemeClr val="bg1">
@@ -6900,8 +7211,10 @@
                 <a:latin typeface="08서울남산체 M" panose="02020603020101020101" pitchFamily="18" charset="-127"/>
                 <a:ea typeface="08서울남산체 M" panose="02020603020101020101" pitchFamily="18" charset="-127"/>
               </a:rPr>
-              <a:t>오수빈</a:t>
-            </a:r>
+              <a:t>)</a:t>
+            </a:r>
+          </a:p>
+          <a:p>
             <a:r>
               <a:rPr lang="en-US" altLang="ko-KR" sz="2000" dirty="0" smtClean="0">
                 <a:ln>
@@ -6915,39 +7228,7 @@
                 <a:latin typeface="08서울남산체 M" panose="02020603020101020101" pitchFamily="18" charset="-127"/>
                 <a:ea typeface="08서울남산체 M" panose="02020603020101020101" pitchFamily="18" charset="-127"/>
               </a:rPr>
-              <a:t>)</a:t>
-            </a:r>
-          </a:p>
-          <a:p>
-            <a:r>
-              <a:rPr lang="en-US" altLang="ko-KR" sz="2000" dirty="0" smtClean="0">
-                <a:ln>
-                  <a:solidFill>
-                    <a:schemeClr val="bg1">
-                      <a:lumMod val="95000"/>
-                      <a:alpha val="25000"/>
-                    </a:schemeClr>
-                  </a:solidFill>
-                </a:ln>
-                <a:latin typeface="08서울남산체 M" panose="02020603020101020101" pitchFamily="18" charset="-127"/>
-                <a:ea typeface="08서울남산체 M" panose="02020603020101020101" pitchFamily="18" charset="-127"/>
-              </a:rPr>
-              <a:t> </a:t>
-            </a:r>
-            <a:r>
-              <a:rPr lang="en-US" altLang="ko-KR" sz="2000" dirty="0" smtClean="0">
-                <a:ln>
-                  <a:solidFill>
-                    <a:schemeClr val="bg1">
-                      <a:lumMod val="95000"/>
-                      <a:alpha val="25000"/>
-                    </a:schemeClr>
-                  </a:solidFill>
-                </a:ln>
-                <a:latin typeface="08서울남산체 M" panose="02020603020101020101" pitchFamily="18" charset="-127"/>
-                <a:ea typeface="08서울남산체 M" panose="02020603020101020101" pitchFamily="18" charset="-127"/>
-              </a:rPr>
-              <a:t>   </a:t>
+              <a:t>    </a:t>
             </a:r>
             <a:r>
               <a:rPr lang="ko-KR" altLang="en-US" sz="2000" dirty="0" smtClean="0">
@@ -7042,22 +7323,7 @@
                 <a:latin typeface="08서울남산체 M" panose="02020603020101020101" pitchFamily="18" charset="-127"/>
                 <a:ea typeface="08서울남산체 M" panose="02020603020101020101" pitchFamily="18" charset="-127"/>
               </a:rPr>
-              <a:t>박제</a:t>
-            </a:r>
-            <a:r>
-              <a:rPr lang="ko-KR" altLang="en-US" sz="2000" dirty="0" err="1" smtClean="0">
-                <a:ln>
-                  <a:solidFill>
-                    <a:schemeClr val="bg1">
-                      <a:lumMod val="95000"/>
-                      <a:alpha val="25000"/>
-                    </a:schemeClr>
-                  </a:solidFill>
-                </a:ln>
-                <a:latin typeface="08서울남산체 M" panose="02020603020101020101" pitchFamily="18" charset="-127"/>
-                <a:ea typeface="08서울남산체 M" panose="02020603020101020101" pitchFamily="18" charset="-127"/>
-              </a:rPr>
-              <a:t>범</a:t>
+              <a:t>박제범</a:t>
             </a:r>
             <a:endParaRPr lang="en-US" altLang="ko-KR" sz="2000" dirty="0" smtClean="0">
               <a:ln>
@@ -7144,22 +7410,7 @@
                 <a:latin typeface="08서울남산체 M" panose="02020603020101020101" pitchFamily="18" charset="-127"/>
                 <a:ea typeface="08서울남산체 M" panose="02020603020101020101" pitchFamily="18" charset="-127"/>
               </a:rPr>
-              <a:t> </a:t>
-            </a:r>
-            <a:r>
-              <a:rPr lang="en-US" altLang="ko-KR" sz="2000" dirty="0" smtClean="0">
-                <a:ln>
-                  <a:solidFill>
-                    <a:schemeClr val="bg1">
-                      <a:lumMod val="95000"/>
-                      <a:alpha val="25000"/>
-                    </a:schemeClr>
-                  </a:solidFill>
-                </a:ln>
-                <a:latin typeface="08서울남산체 M" panose="02020603020101020101" pitchFamily="18" charset="-127"/>
-                <a:ea typeface="08서울남산체 M" panose="02020603020101020101" pitchFamily="18" charset="-127"/>
-              </a:rPr>
-              <a:t>   </a:t>
+              <a:t>    </a:t>
             </a:r>
             <a:r>
               <a:rPr lang="ko-KR" altLang="en-US" sz="2000" dirty="0" smtClean="0">
@@ -7288,47 +7539,7 @@
                 <a:latin typeface="08서울남산체 M" panose="02020603020101020101" pitchFamily="18" charset="-127"/>
                 <a:ea typeface="08서울남산체 M" panose="02020603020101020101" pitchFamily="18" charset="-127"/>
               </a:rPr>
-              <a:t>◈ </a:t>
-            </a:r>
-            <a:r>
-              <a:rPr lang="ko-KR" altLang="en-US" sz="2000" dirty="0" smtClean="0">
-                <a:ln>
-                  <a:solidFill>
-                    <a:schemeClr val="bg1">
-                      <a:lumMod val="95000"/>
-                      <a:alpha val="25000"/>
-                    </a:schemeClr>
-                  </a:solidFill>
-                </a:ln>
-                <a:solidFill>
-                  <a:schemeClr val="bg2">
-                    <a:lumMod val="50000"/>
-                  </a:schemeClr>
-                </a:solidFill>
-                <a:latin typeface="08서울남산체 M" panose="02020603020101020101" pitchFamily="18" charset="-127"/>
-                <a:ea typeface="08서울남산체 M" panose="02020603020101020101" pitchFamily="18" charset="-127"/>
-              </a:rPr>
-              <a:t>오수</a:t>
-            </a:r>
-            <a:r>
-              <a:rPr lang="ko-KR" altLang="en-US" sz="2000" dirty="0" smtClean="0">
-                <a:ln>
-                  <a:solidFill>
-                    <a:schemeClr val="bg1">
-                      <a:lumMod val="95000"/>
-                      <a:alpha val="25000"/>
-                    </a:schemeClr>
-                  </a:solidFill>
-                </a:ln>
-                <a:solidFill>
-                  <a:schemeClr val="bg2">
-                    <a:lumMod val="50000"/>
-                  </a:schemeClr>
-                </a:solidFill>
-                <a:latin typeface="08서울남산체 M" panose="02020603020101020101" pitchFamily="18" charset="-127"/>
-                <a:ea typeface="08서울남산체 M" panose="02020603020101020101" pitchFamily="18" charset="-127"/>
-              </a:rPr>
-              <a:t>빈</a:t>
+              <a:t>◈ 오수빈</a:t>
             </a:r>
             <a:endParaRPr lang="en-US" altLang="ko-KR" sz="2000" dirty="0" smtClean="0">
               <a:ln>
@@ -7487,7 +7698,7 @@
     </p:spTree>
     <p:extLst>
       <p:ext uri="{BB962C8B-B14F-4D97-AF65-F5344CB8AC3E}">
-        <p14:creationId xmlns="" xmlns:p14="http://schemas.microsoft.com/office/powerpoint/2010/main" val="1372875948"/>
+        <p14:creationId xmlns:p14="http://schemas.microsoft.com/office/powerpoint/2010/main" xmlns="" val="1372875948"/>
       </p:ext>
     </p:extLst>
   </p:cSld>
@@ -7747,7 +7958,7 @@
           <p:nvPr/>
         </p:nvPicPr>
         <p:blipFill>
-          <a:blip r:embed="rId3" cstate="print">
+          <a:blip r:embed="rId4" cstate="print">
             <a:lum bright="100000"/>
           </a:blip>
           <a:stretch>
@@ -7773,7 +7984,7 @@
         <p:spPr>
           <a:xfrm>
             <a:off x="189470" y="3565755"/>
-            <a:ext cx="2660822" cy="1569660"/>
+            <a:ext cx="2660822" cy="2554545"/>
           </a:xfrm>
           <a:prstGeom prst="rect">
             <a:avLst/>
@@ -7865,7 +8076,7 @@
               <a:t> </a:t>
             </a:r>
             <a:r>
-              <a:rPr lang="ko-KR" altLang="en-US" sz="1600" dirty="0" err="1" smtClean="0">
+              <a:rPr lang="en-US" altLang="ko-KR" sz="1600" dirty="0" smtClean="0">
                 <a:ln>
                   <a:solidFill>
                     <a:schemeClr val="bg1">
@@ -7877,7 +8088,7 @@
                 <a:latin typeface="08서울남산체 M" panose="02020603020101020101" pitchFamily="18" charset="-127"/>
                 <a:ea typeface="08서울남산체 M" panose="02020603020101020101" pitchFamily="18" charset="-127"/>
               </a:rPr>
-              <a:t>확장자</a:t>
+              <a:t>AJAX</a:t>
             </a:r>
             <a:r>
               <a:rPr lang="ko-KR" altLang="en-US" sz="1600" dirty="0" smtClean="0">
@@ -7892,7 +8103,7 @@
                 <a:latin typeface="08서울남산체 M" panose="02020603020101020101" pitchFamily="18" charset="-127"/>
                 <a:ea typeface="08서울남산체 M" panose="02020603020101020101" pitchFamily="18" charset="-127"/>
               </a:rPr>
-              <a:t> 및 세션 아이디에 </a:t>
+              <a:t>를 이용해 동적으로 메뉴 그리기</a:t>
             </a:r>
             <a:endParaRPr lang="en-US" altLang="ko-KR" sz="1600" dirty="0" smtClean="0">
               <a:ln>
@@ -7908,8 +8119,12 @@
             </a:endParaRPr>
           </a:p>
           <a:p>
-            <a:r>
-              <a:rPr lang="en-US" altLang="ko-KR" sz="1600" dirty="0" smtClean="0">
+            <a:pPr>
+              <a:buFontTx/>
+              <a:buChar char="-"/>
+            </a:pPr>
+            <a:r>
+              <a:rPr lang="ko-KR" altLang="en-US" sz="1600" dirty="0" smtClean="0">
                 <a:ln>
                   <a:solidFill>
                     <a:schemeClr val="bg1">
@@ -7921,10 +8136,10 @@
                 <a:latin typeface="08서울남산체 M" panose="02020603020101020101" pitchFamily="18" charset="-127"/>
                 <a:ea typeface="08서울남산체 M" panose="02020603020101020101" pitchFamily="18" charset="-127"/>
               </a:rPr>
-              <a:t> </a:t>
-            </a:r>
-            <a:r>
-              <a:rPr lang="en-US" altLang="ko-KR" sz="1600" dirty="0" smtClean="0">
+              <a:t> 업로드 제한을 걸어 </a:t>
+            </a:r>
+            <a:r>
+              <a:rPr lang="ko-KR" altLang="en-US" sz="1600" dirty="0" smtClean="0">
                 <a:ln>
                   <a:solidFill>
                     <a:schemeClr val="bg1">
@@ -7936,10 +8151,10 @@
                 <a:latin typeface="08서울남산체 M" panose="02020603020101020101" pitchFamily="18" charset="-127"/>
                 <a:ea typeface="08서울남산체 M" panose="02020603020101020101" pitchFamily="18" charset="-127"/>
               </a:rPr>
-              <a:t> </a:t>
-            </a:r>
-            <a:r>
-              <a:rPr lang="ko-KR" altLang="en-US" sz="1600" dirty="0" smtClean="0">
+              <a:t>이미지 외의 파일 업로드</a:t>
+            </a:r>
+            <a:r>
+              <a:rPr lang="en-US" altLang="ko-KR" sz="1600" dirty="0" smtClean="0">
                 <a:ln>
                   <a:solidFill>
                     <a:schemeClr val="bg1">
@@ -7951,7 +8166,22 @@
                 <a:latin typeface="08서울남산체 M" panose="02020603020101020101" pitchFamily="18" charset="-127"/>
                 <a:ea typeface="08서울남산체 M" panose="02020603020101020101" pitchFamily="18" charset="-127"/>
               </a:rPr>
-              <a:t>대한 유효성 체크</a:t>
+              <a:t> </a:t>
+            </a:r>
+            <a:r>
+              <a:rPr lang="ko-KR" altLang="en-US" sz="1600" dirty="0" smtClean="0">
+                <a:ln>
+                  <a:solidFill>
+                    <a:schemeClr val="bg1">
+                      <a:lumMod val="95000"/>
+                      <a:alpha val="25000"/>
+                    </a:schemeClr>
+                  </a:solidFill>
+                </a:ln>
+                <a:latin typeface="08서울남산체 M" panose="02020603020101020101" pitchFamily="18" charset="-127"/>
+                <a:ea typeface="08서울남산체 M" panose="02020603020101020101" pitchFamily="18" charset="-127"/>
+              </a:rPr>
+              <a:t>차단</a:t>
             </a:r>
             <a:endParaRPr lang="en-US" altLang="ko-KR" sz="1600" dirty="0" smtClean="0">
               <a:ln>
@@ -7967,12 +8197,8 @@
             </a:endParaRPr>
           </a:p>
           <a:p>
-            <a:pPr>
-              <a:buFontTx/>
-              <a:buChar char="-"/>
-            </a:pPr>
-            <a:r>
-              <a:rPr lang="ko-KR" altLang="en-US" sz="1600" dirty="0" smtClean="0">
+            <a:r>
+              <a:rPr lang="en-US" altLang="ko-KR" sz="1600" dirty="0" smtClean="0">
                 <a:ln>
                   <a:solidFill>
                     <a:schemeClr val="bg1">
@@ -7984,24 +8210,10 @@
                 <a:latin typeface="08서울남산체 M" panose="02020603020101020101" pitchFamily="18" charset="-127"/>
                 <a:ea typeface="08서울남산체 M" panose="02020603020101020101" pitchFamily="18" charset="-127"/>
               </a:rPr>
-              <a:t> 업로드 제한을 걸어 </a:t>
-            </a:r>
-            <a:endParaRPr lang="en-US" altLang="ko-KR" sz="1600" dirty="0" smtClean="0">
-              <a:ln>
-                <a:solidFill>
-                  <a:schemeClr val="bg1">
-                    <a:lumMod val="95000"/>
-                    <a:alpha val="25000"/>
-                  </a:schemeClr>
-                </a:solidFill>
-              </a:ln>
-              <a:latin typeface="08서울남산체 M" panose="02020603020101020101" pitchFamily="18" charset="-127"/>
-              <a:ea typeface="08서울남산체 M" panose="02020603020101020101" pitchFamily="18" charset="-127"/>
-            </a:endParaRPr>
-          </a:p>
-          <a:p>
-            <a:r>
-              <a:rPr lang="en-US" altLang="ko-KR" sz="1600" dirty="0" smtClean="0">
+              <a:t>- </a:t>
+            </a:r>
+            <a:r>
+              <a:rPr lang="ko-KR" altLang="en-US" sz="1600" dirty="0" smtClean="0">
                 <a:ln>
                   <a:solidFill>
                     <a:schemeClr val="bg1">
@@ -8013,7 +8225,7 @@
                 <a:latin typeface="08서울남산체 M" panose="02020603020101020101" pitchFamily="18" charset="-127"/>
                 <a:ea typeface="08서울남산체 M" panose="02020603020101020101" pitchFamily="18" charset="-127"/>
               </a:rPr>
-              <a:t>  </a:t>
+              <a:t> </a:t>
             </a:r>
             <a:r>
               <a:rPr lang="ko-KR" altLang="en-US" sz="1600" dirty="0" smtClean="0">
@@ -8028,7 +8240,7 @@
                 <a:latin typeface="08서울남산체 M" panose="02020603020101020101" pitchFamily="18" charset="-127"/>
                 <a:ea typeface="08서울남산체 M" panose="02020603020101020101" pitchFamily="18" charset="-127"/>
               </a:rPr>
-              <a:t>무분별한 업로드</a:t>
+              <a:t>테이블의 </a:t>
             </a:r>
             <a:r>
               <a:rPr lang="en-US" altLang="ko-KR" sz="1600" dirty="0" smtClean="0">
@@ -8043,7 +8255,7 @@
                 <a:latin typeface="08서울남산체 M" panose="02020603020101020101" pitchFamily="18" charset="-127"/>
                 <a:ea typeface="08서울남산체 M" panose="02020603020101020101" pitchFamily="18" charset="-127"/>
               </a:rPr>
-              <a:t> </a:t>
+              <a:t>1:N </a:t>
             </a:r>
             <a:r>
               <a:rPr lang="ko-KR" altLang="en-US" sz="1600" dirty="0" smtClean="0">
@@ -8058,7 +8270,7 @@
                 <a:latin typeface="08서울남산체 M" panose="02020603020101020101" pitchFamily="18" charset="-127"/>
                 <a:ea typeface="08서울남산체 M" panose="02020603020101020101" pitchFamily="18" charset="-127"/>
               </a:rPr>
-              <a:t>차단</a:t>
+              <a:t>관계를 이용하여 이미지의 삽입 및 삭제 수정이 자유롭게 이뤄지도록 구성</a:t>
             </a:r>
             <a:endParaRPr lang="en-US" altLang="ko-KR" sz="1600" dirty="0" smtClean="0">
               <a:ln>
@@ -8238,7 +8450,7 @@
           <p:nvPr/>
         </p:nvPicPr>
         <p:blipFill>
-          <a:blip r:embed="rId4"/>
+          <a:blip r:embed="rId5"/>
           <a:stretch>
             <a:fillRect/>
           </a:stretch>
@@ -8256,7 +8468,7 @@
     </p:spTree>
     <p:extLst>
       <p:ext uri="{BB962C8B-B14F-4D97-AF65-F5344CB8AC3E}">
-        <p14:creationId xmlns="" xmlns:p14="http://schemas.microsoft.com/office/powerpoint/2010/main" val="1372875948"/>
+        <p14:creationId xmlns:p14="http://schemas.microsoft.com/office/powerpoint/2010/main" xmlns="" val="1372875948"/>
       </p:ext>
     </p:extLst>
   </p:cSld>
@@ -8690,22 +8902,7 @@
                 <a:latin typeface="08서울남산체 M" panose="02020603020101020101" pitchFamily="18" charset="-127"/>
                 <a:ea typeface="08서울남산체 M" panose="02020603020101020101" pitchFamily="18" charset="-127"/>
               </a:rPr>
-              <a:t> </a:t>
-            </a:r>
-            <a:r>
-              <a:rPr lang="en-US" altLang="ko-KR" sz="1600" dirty="0" smtClean="0">
-                <a:ln>
-                  <a:solidFill>
-                    <a:schemeClr val="bg1">
-                      <a:lumMod val="95000"/>
-                      <a:alpha val="25000"/>
-                    </a:schemeClr>
-                  </a:solidFill>
-                </a:ln>
-                <a:latin typeface="08서울남산체 M" panose="02020603020101020101" pitchFamily="18" charset="-127"/>
-                <a:ea typeface="08서울남산체 M" panose="02020603020101020101" pitchFamily="18" charset="-127"/>
-              </a:rPr>
-              <a:t> </a:t>
+              <a:t>  </a:t>
             </a:r>
             <a:r>
               <a:rPr lang="ko-KR" altLang="en-US" sz="1600" dirty="0" smtClean="0">
@@ -9028,7 +9225,7 @@
     </p:spTree>
     <p:extLst>
       <p:ext uri="{BB962C8B-B14F-4D97-AF65-F5344CB8AC3E}">
-        <p14:creationId xmlns="" xmlns:p14="http://schemas.microsoft.com/office/powerpoint/2010/main" val="1372875948"/>
+        <p14:creationId xmlns:p14="http://schemas.microsoft.com/office/powerpoint/2010/main" xmlns="" val="1372875948"/>
       </p:ext>
     </p:extLst>
   </p:cSld>
@@ -9630,18 +9827,6 @@
               </a:rPr>
               <a:t>UI</a:t>
             </a:r>
-            <a:endParaRPr lang="en-US" altLang="ko-KR" sz="1600" dirty="0" smtClean="0">
-              <a:ln>
-                <a:solidFill>
-                  <a:schemeClr val="bg1">
-                    <a:lumMod val="95000"/>
-                    <a:alpha val="25000"/>
-                  </a:schemeClr>
-                </a:solidFill>
-              </a:ln>
-              <a:latin typeface="08서울남산체 M" panose="02020603020101020101" pitchFamily="18" charset="-127"/>
-              <a:ea typeface="08서울남산체 M" panose="02020603020101020101" pitchFamily="18" charset="-127"/>
-            </a:endParaRPr>
           </a:p>
           <a:p>
             <a:r>
@@ -9846,7 +10031,7 @@
     </p:spTree>
     <p:extLst>
       <p:ext uri="{BB962C8B-B14F-4D97-AF65-F5344CB8AC3E}">
-        <p14:creationId xmlns="" xmlns:p14="http://schemas.microsoft.com/office/powerpoint/2010/main" val="1372875948"/>
+        <p14:creationId xmlns:p14="http://schemas.microsoft.com/office/powerpoint/2010/main" xmlns="" val="1372875948"/>
       </p:ext>
     </p:extLst>
   </p:cSld>
@@ -10265,22 +10450,7 @@
                 <a:latin typeface="08서울남산체 M" panose="02020603020101020101" pitchFamily="18" charset="-127"/>
                 <a:ea typeface="08서울남산체 M" panose="02020603020101020101" pitchFamily="18" charset="-127"/>
               </a:rPr>
-              <a:t> </a:t>
-            </a:r>
-            <a:r>
-              <a:rPr lang="en-US" altLang="ko-KR" sz="1600" dirty="0" smtClean="0">
-                <a:ln>
-                  <a:solidFill>
-                    <a:schemeClr val="bg1">
-                      <a:lumMod val="95000"/>
-                      <a:alpha val="25000"/>
-                    </a:schemeClr>
-                  </a:solidFill>
-                </a:ln>
-                <a:latin typeface="08서울남산체 M" panose="02020603020101020101" pitchFamily="18" charset="-127"/>
-                <a:ea typeface="08서울남산체 M" panose="02020603020101020101" pitchFamily="18" charset="-127"/>
-              </a:rPr>
-              <a:t> </a:t>
+              <a:t>  </a:t>
             </a:r>
             <a:r>
               <a:rPr lang="ko-KR" altLang="en-US" sz="1600" dirty="0" smtClean="0">
@@ -10525,7 +10695,7 @@
     </p:spTree>
     <p:extLst>
       <p:ext uri="{BB962C8B-B14F-4D97-AF65-F5344CB8AC3E}">
-        <p14:creationId xmlns="" xmlns:p14="http://schemas.microsoft.com/office/powerpoint/2010/main" val="1372875948"/>
+        <p14:creationId xmlns:p14="http://schemas.microsoft.com/office/powerpoint/2010/main" xmlns="" val="1372875948"/>
       </p:ext>
     </p:extLst>
   </p:cSld>
@@ -11428,7 +11598,7 @@
     </p:spTree>
     <p:extLst>
       <p:ext uri="{BB962C8B-B14F-4D97-AF65-F5344CB8AC3E}">
-        <p14:creationId xmlns="" xmlns:p14="http://schemas.microsoft.com/office/powerpoint/2010/main" val="1372875948"/>
+        <p14:creationId xmlns:p14="http://schemas.microsoft.com/office/powerpoint/2010/main" xmlns="" val="1372875948"/>
       </p:ext>
     </p:extLst>
   </p:cSld>
@@ -11474,7 +11644,7 @@
           <a:blip r:embed="rId2">
             <a:extLst>
               <a:ext uri="{28A0092B-C50C-407E-A947-70E740481C1C}">
-                <a14:useLocalDpi xmlns="" xmlns:a14="http://schemas.microsoft.com/office/drawing/2010/main" val="0"/>
+                <a14:useLocalDpi xmlns:a14="http://schemas.microsoft.com/office/drawing/2010/main" xmlns="" val="0"/>
               </a:ext>
             </a:extLst>
           </a:blip>
@@ -11912,7 +12082,7 @@
     </p:spTree>
     <p:extLst>
       <p:ext uri="{BB962C8B-B14F-4D97-AF65-F5344CB8AC3E}">
-        <p14:creationId xmlns="" xmlns:p14="http://schemas.microsoft.com/office/powerpoint/2010/main" val="4213415446"/>
+        <p14:creationId xmlns:p14="http://schemas.microsoft.com/office/powerpoint/2010/main" xmlns="" val="4213415446"/>
       </p:ext>
     </p:extLst>
   </p:cSld>
@@ -11958,7 +12128,7 @@
           <a:blip r:embed="rId2">
             <a:extLst>
               <a:ext uri="{28A0092B-C50C-407E-A947-70E740481C1C}">
-                <a14:useLocalDpi xmlns="" xmlns:a14="http://schemas.microsoft.com/office/drawing/2010/main" val="0"/>
+                <a14:useLocalDpi xmlns:a14="http://schemas.microsoft.com/office/drawing/2010/main" xmlns="" val="0"/>
               </a:ext>
             </a:extLst>
           </a:blip>
@@ -12507,22 +12677,7 @@
                 <a:latin typeface="08서울남산체 B" panose="02020603020101020101" pitchFamily="18" charset="-127"/>
                 <a:ea typeface="08서울남산체 B" panose="02020603020101020101" pitchFamily="18" charset="-127"/>
               </a:rPr>
-              <a:t> 프로젝트 전체 일정과 테이블 </a:t>
-            </a:r>
-            <a:r>
-              <a:rPr lang="ko-KR" altLang="en-US" sz="1600" dirty="0" smtClean="0">
-                <a:ln>
-                  <a:solidFill>
-                    <a:schemeClr val="bg1">
-                      <a:lumMod val="95000"/>
-                      <a:alpha val="30000"/>
-                    </a:schemeClr>
-                  </a:solidFill>
-                </a:ln>
-                <a:latin typeface="08서울남산체 B" panose="02020603020101020101" pitchFamily="18" charset="-127"/>
-                <a:ea typeface="08서울남산체 B" panose="02020603020101020101" pitchFamily="18" charset="-127"/>
-              </a:rPr>
-              <a:t>설계</a:t>
+              <a:t> 프로젝트 전체 일정과 테이블 설계</a:t>
             </a:r>
             <a:endParaRPr lang="en-US" altLang="ko-KR" sz="1600" dirty="0" smtClean="0">
               <a:ln>
@@ -13107,22 +13262,7 @@
                 <a:latin typeface="08서울남산체 B" panose="02020603020101020101" pitchFamily="18" charset="-127"/>
                 <a:ea typeface="08서울남산체 B" panose="02020603020101020101" pitchFamily="18" charset="-127"/>
               </a:rPr>
-              <a:t> </a:t>
-            </a:r>
-            <a:r>
-              <a:rPr lang="ko-KR" altLang="en-US" sz="1600" dirty="0" smtClean="0">
-                <a:ln>
-                  <a:solidFill>
-                    <a:schemeClr val="bg1">
-                      <a:lumMod val="95000"/>
-                      <a:alpha val="30000"/>
-                    </a:schemeClr>
-                  </a:solidFill>
-                </a:ln>
-                <a:latin typeface="08서울남산체 B" panose="02020603020101020101" pitchFamily="18" charset="-127"/>
-                <a:ea typeface="08서울남산체 B" panose="02020603020101020101" pitchFamily="18" charset="-127"/>
-              </a:rPr>
-              <a:t>참고 사이트</a:t>
+              <a:t> 참고 사이트</a:t>
             </a:r>
             <a:endParaRPr lang="en-US" altLang="ko-KR" sz="1600" dirty="0" smtClean="0">
               <a:ln>
@@ -13142,7 +13282,7 @@
     </p:spTree>
     <p:extLst>
       <p:ext uri="{BB962C8B-B14F-4D97-AF65-F5344CB8AC3E}">
-        <p14:creationId xmlns="" xmlns:p14="http://schemas.microsoft.com/office/powerpoint/2010/main" val="3244472379"/>
+        <p14:creationId xmlns:p14="http://schemas.microsoft.com/office/powerpoint/2010/main" xmlns="" val="3244472379"/>
       </p:ext>
     </p:extLst>
   </p:cSld>
@@ -13528,22 +13668,7 @@
                 <a:latin typeface="08서울남산체 M" panose="02020603020101020101" pitchFamily="18" charset="-127"/>
                 <a:ea typeface="08서울남산체 M" panose="02020603020101020101" pitchFamily="18" charset="-127"/>
               </a:rPr>
-              <a:t>단위테스</a:t>
-            </a:r>
-            <a:r>
-              <a:rPr lang="ko-KR" altLang="en-US" sz="3000" dirty="0" smtClean="0">
-                <a:ln>
-                  <a:solidFill>
-                    <a:schemeClr val="bg1">
-                      <a:lumMod val="95000"/>
-                      <a:alpha val="25000"/>
-                    </a:schemeClr>
-                  </a:solidFill>
-                </a:ln>
-                <a:latin typeface="08서울남산체 M" panose="02020603020101020101" pitchFamily="18" charset="-127"/>
-                <a:ea typeface="08서울남산체 M" panose="02020603020101020101" pitchFamily="18" charset="-127"/>
-              </a:rPr>
-              <a:t>트</a:t>
+              <a:t>단위테스트</a:t>
             </a:r>
             <a:endParaRPr lang="ko-KR" altLang="en-US" sz="3000" dirty="0">
               <a:ln>
@@ -13727,7 +13852,7 @@
     </p:spTree>
     <p:extLst>
       <p:ext uri="{BB962C8B-B14F-4D97-AF65-F5344CB8AC3E}">
-        <p14:creationId xmlns="" xmlns:p14="http://schemas.microsoft.com/office/powerpoint/2010/main" val="1372875948"/>
+        <p14:creationId xmlns:p14="http://schemas.microsoft.com/office/powerpoint/2010/main" xmlns="" val="1372875948"/>
       </p:ext>
     </p:extLst>
   </p:cSld>
@@ -14369,7 +14494,7 @@
     </p:spTree>
     <p:extLst>
       <p:ext uri="{BB962C8B-B14F-4D97-AF65-F5344CB8AC3E}">
-        <p14:creationId xmlns="" xmlns:p14="http://schemas.microsoft.com/office/powerpoint/2010/main" val="1372875948"/>
+        <p14:creationId xmlns:p14="http://schemas.microsoft.com/office/powerpoint/2010/main" xmlns="" val="1372875948"/>
       </p:ext>
     </p:extLst>
   </p:cSld>
@@ -14692,23 +14817,6 @@
               </a:rPr>
               <a:t>시연</a:t>
             </a:r>
-            <a:endParaRPr lang="ko-KR" altLang="en-US" dirty="0" smtClean="0">
-              <a:ln>
-                <a:solidFill>
-                  <a:schemeClr val="bg1">
-                    <a:lumMod val="95000"/>
-                    <a:alpha val="25000"/>
-                  </a:schemeClr>
-                </a:solidFill>
-              </a:ln>
-              <a:solidFill>
-                <a:schemeClr val="bg1">
-                  <a:lumMod val="95000"/>
-                </a:schemeClr>
-              </a:solidFill>
-              <a:latin typeface="08서울남산체 B" panose="02020603020101020101" pitchFamily="18" charset="-127"/>
-              <a:ea typeface="08서울남산체 B" panose="02020603020101020101" pitchFamily="18" charset="-127"/>
-            </a:endParaRPr>
           </a:p>
         </p:txBody>
       </p:sp>
@@ -15136,7 +15244,7 @@
     </p:spTree>
     <p:extLst>
       <p:ext uri="{BB962C8B-B14F-4D97-AF65-F5344CB8AC3E}">
-        <p14:creationId xmlns="" xmlns:p14="http://schemas.microsoft.com/office/powerpoint/2010/main" val="1372875948"/>
+        <p14:creationId xmlns:p14="http://schemas.microsoft.com/office/powerpoint/2010/main" xmlns="" val="1372875948"/>
       </p:ext>
     </p:extLst>
   </p:cSld>
@@ -15182,7 +15290,7 @@
           <a:blip r:embed="rId2">
             <a:extLst>
               <a:ext uri="{BEBA8EAE-BF5A-486C-A8C5-ECC9F3942E4B}">
-                <a14:imgProps xmlns="" xmlns:a14="http://schemas.microsoft.com/office/drawing/2010/main">
+                <a14:imgProps xmlns:a14="http://schemas.microsoft.com/office/drawing/2010/main" xmlns="">
                   <a14:imgLayer r:embed="">
                     <a14:imgEffect>
                       <a14:saturation sat="0"/>
@@ -15191,7 +15299,7 @@
                 </a14:imgProps>
               </a:ext>
               <a:ext uri="{28A0092B-C50C-407E-A947-70E740481C1C}">
-                <a14:useLocalDpi xmlns="" xmlns:a14="http://schemas.microsoft.com/office/drawing/2010/main" val="0"/>
+                <a14:useLocalDpi xmlns:a14="http://schemas.microsoft.com/office/drawing/2010/main" xmlns="" val="0"/>
               </a:ext>
             </a:extLst>
           </a:blip>
@@ -15211,7 +15319,7 @@
           <a:noFill/>
           <a:extLst>
             <a:ext uri="{909E8E84-426E-40DD-AFC4-6F175D3DCCD1}">
-              <a14:hiddenFill xmlns="" xmlns:a14="http://schemas.microsoft.com/office/drawing/2010/main">
+              <a14:hiddenFill xmlns:a14="http://schemas.microsoft.com/office/drawing/2010/main" xmlns="">
                 <a:solidFill>
                   <a:srgbClr val="FFFFFF"/>
                 </a:solidFill>
@@ -15478,7 +15586,7 @@
     </p:spTree>
     <p:extLst>
       <p:ext uri="{BB962C8B-B14F-4D97-AF65-F5344CB8AC3E}">
-        <p14:creationId xmlns="" xmlns:p14="http://schemas.microsoft.com/office/powerpoint/2010/main" val="1759675566"/>
+        <p14:creationId xmlns:p14="http://schemas.microsoft.com/office/powerpoint/2010/main" xmlns="" val="1759675566"/>
       </p:ext>
     </p:extLst>
   </p:cSld>
@@ -15524,7 +15632,7 @@
           <a:blip r:embed="rId2">
             <a:extLst>
               <a:ext uri="{28A0092B-C50C-407E-A947-70E740481C1C}">
-                <a14:useLocalDpi xmlns="" xmlns:a14="http://schemas.microsoft.com/office/drawing/2010/main" val="0"/>
+                <a14:useLocalDpi xmlns:a14="http://schemas.microsoft.com/office/drawing/2010/main" xmlns="" val="0"/>
               </a:ext>
             </a:extLst>
           </a:blip>
@@ -15969,7 +16077,7 @@
     </p:spTree>
     <p:extLst>
       <p:ext uri="{BB962C8B-B14F-4D97-AF65-F5344CB8AC3E}">
-        <p14:creationId xmlns="" xmlns:p14="http://schemas.microsoft.com/office/powerpoint/2010/main" val="4213415446"/>
+        <p14:creationId xmlns:p14="http://schemas.microsoft.com/office/powerpoint/2010/main" xmlns="" val="4213415446"/>
       </p:ext>
     </p:extLst>
   </p:cSld>
@@ -18688,7 +18796,7 @@
     </p:spTree>
     <p:extLst>
       <p:ext uri="{BB962C8B-B14F-4D97-AF65-F5344CB8AC3E}">
-        <p14:creationId xmlns="" xmlns:p14="http://schemas.microsoft.com/office/powerpoint/2010/main" val="1372875948"/>
+        <p14:creationId xmlns:p14="http://schemas.microsoft.com/office/powerpoint/2010/main" xmlns="" val="1372875948"/>
       </p:ext>
     </p:extLst>
   </p:cSld>
@@ -19350,7 +19458,7 @@
     </p:spTree>
     <p:extLst>
       <p:ext uri="{BB962C8B-B14F-4D97-AF65-F5344CB8AC3E}">
-        <p14:creationId xmlns="" xmlns:p14="http://schemas.microsoft.com/office/powerpoint/2010/main" val="1372875948"/>
+        <p14:creationId xmlns:p14="http://schemas.microsoft.com/office/powerpoint/2010/main" xmlns="" val="1372875948"/>
       </p:ext>
     </p:extLst>
   </p:cSld>
@@ -20467,7 +20575,7 @@
     </p:spTree>
     <p:extLst>
       <p:ext uri="{BB962C8B-B14F-4D97-AF65-F5344CB8AC3E}">
-        <p14:creationId xmlns="" xmlns:p14="http://schemas.microsoft.com/office/powerpoint/2010/main" val="1372875948"/>
+        <p14:creationId xmlns:p14="http://schemas.microsoft.com/office/powerpoint/2010/main" xmlns="" val="1372875948"/>
       </p:ext>
     </p:extLst>
   </p:cSld>
@@ -20513,7 +20621,7 @@
           <a:blip r:embed="rId2">
             <a:extLst>
               <a:ext uri="{28A0092B-C50C-407E-A947-70E740481C1C}">
-                <a14:useLocalDpi xmlns="" xmlns:a14="http://schemas.microsoft.com/office/drawing/2010/main" val="0"/>
+                <a14:useLocalDpi xmlns:a14="http://schemas.microsoft.com/office/drawing/2010/main" xmlns="" val="0"/>
               </a:ext>
             </a:extLst>
           </a:blip>
@@ -21023,7 +21131,7 @@
     </p:spTree>
     <p:extLst>
       <p:ext uri="{BB962C8B-B14F-4D97-AF65-F5344CB8AC3E}">
-        <p14:creationId xmlns="" xmlns:p14="http://schemas.microsoft.com/office/powerpoint/2010/main" val="4213415446"/>
+        <p14:creationId xmlns:p14="http://schemas.microsoft.com/office/powerpoint/2010/main" xmlns="" val="4213415446"/>
       </p:ext>
     </p:extLst>
   </p:cSld>
@@ -22062,7 +22170,7 @@
     </p:spTree>
     <p:extLst>
       <p:ext uri="{BB962C8B-B14F-4D97-AF65-F5344CB8AC3E}">
-        <p14:creationId xmlns="" xmlns:p14="http://schemas.microsoft.com/office/powerpoint/2010/main" val="1372875948"/>
+        <p14:creationId xmlns:p14="http://schemas.microsoft.com/office/powerpoint/2010/main" xmlns="" val="1372875948"/>
       </p:ext>
     </p:extLst>
   </p:cSld>
@@ -22589,7 +22697,7 @@
     </p:spTree>
     <p:extLst>
       <p:ext uri="{BB962C8B-B14F-4D97-AF65-F5344CB8AC3E}">
-        <p14:creationId xmlns="" xmlns:p14="http://schemas.microsoft.com/office/powerpoint/2010/main" val="1372875948"/>
+        <p14:creationId xmlns:p14="http://schemas.microsoft.com/office/powerpoint/2010/main" xmlns="" val="1372875948"/>
       </p:ext>
     </p:extLst>
   </p:cSld>
@@ -22895,9 +23003,292 @@
   <a:extraClrSchemeLst/>
   <a:extLst>
     <a:ext uri="{05A4C25C-085E-4340-85A3-A5531E510DB2}">
-      <thm15:themeFamily xmlns="" xmlns:thm15="http://schemas.microsoft.com/office/thememl/2012/main" name="Office Theme" id="{62F939B6-93AF-4DB8-9C6B-D6C7DFDC589F}" vid="{4A3C46E8-61CC-4603-A589-7422A47A8E4A}"/>
+      <thm15:themeFamily xmlns:thm15="http://schemas.microsoft.com/office/thememl/2012/main" xmlns="" name="Office Theme" id="{62F939B6-93AF-4DB8-9C6B-D6C7DFDC589F}" vid="{4A3C46E8-61CC-4603-A589-7422A47A8E4A}"/>
     </a:ext>
   </a:extLst>
+</a:theme>
+</file>
+
+<file path=ppt/theme/theme2.xml><?xml version="1.0" encoding="utf-8"?>
+<a:theme xmlns:a="http://schemas.openxmlformats.org/drawingml/2006/main" name="Office 테마">
+  <a:themeElements>
+    <a:clrScheme name="Office">
+      <a:dk1>
+        <a:sysClr val="windowText" lastClr="000000"/>
+      </a:dk1>
+      <a:lt1>
+        <a:sysClr val="window" lastClr="FFFFFF"/>
+      </a:lt1>
+      <a:dk2>
+        <a:srgbClr val="1F497D"/>
+      </a:dk2>
+      <a:lt2>
+        <a:srgbClr val="EEECE1"/>
+      </a:lt2>
+      <a:accent1>
+        <a:srgbClr val="4F81BD"/>
+      </a:accent1>
+      <a:accent2>
+        <a:srgbClr val="C0504D"/>
+      </a:accent2>
+      <a:accent3>
+        <a:srgbClr val="9BBB59"/>
+      </a:accent3>
+      <a:accent4>
+        <a:srgbClr val="8064A2"/>
+      </a:accent4>
+      <a:accent5>
+        <a:srgbClr val="4BACC6"/>
+      </a:accent5>
+      <a:accent6>
+        <a:srgbClr val="F79646"/>
+      </a:accent6>
+      <a:hlink>
+        <a:srgbClr val="0000FF"/>
+      </a:hlink>
+      <a:folHlink>
+        <a:srgbClr val="800080"/>
+      </a:folHlink>
+    </a:clrScheme>
+    <a:fontScheme name="Office">
+      <a:majorFont>
+        <a:latin typeface="맑은 고딕"/>
+        <a:ea typeface=""/>
+        <a:cs typeface=""/>
+        <a:font script="Jpan" typeface="ＭＳ Ｐゴシック"/>
+        <a:font script="Hang" typeface="맑은 고딕"/>
+        <a:font script="Hans" typeface="宋体"/>
+        <a:font script="Hant" typeface="新細明體"/>
+        <a:font script="Arab" typeface="Times New Roman"/>
+        <a:font script="Hebr" typeface="Times New Roman"/>
+        <a:font script="Thai" typeface="Angsana New"/>
+        <a:font script="Ethi" typeface="Nyala"/>
+        <a:font script="Beng" typeface="Vrinda"/>
+        <a:font script="Gujr" typeface="Shruti"/>
+        <a:font script="Khmr" typeface="MoolBoran"/>
+        <a:font script="Knda" typeface="Tunga"/>
+        <a:font script="Guru" typeface="Raavi"/>
+        <a:font script="Cans" typeface="Euphemia"/>
+        <a:font script="Cher" typeface="Plantagenet Cherokee"/>
+        <a:font script="Yiii" typeface="Microsoft Yi Baiti"/>
+        <a:font script="Tibt" typeface="Microsoft Himalaya"/>
+        <a:font script="Thaa" typeface="MV Boli"/>
+        <a:font script="Deva" typeface="Mangal"/>
+        <a:font script="Telu" typeface="Gautami"/>
+        <a:font script="Taml" typeface="Latha"/>
+        <a:font script="Syrc" typeface="Estrangelo Edessa"/>
+        <a:font script="Orya" typeface="Kalinga"/>
+        <a:font script="Mlym" typeface="Kartika"/>
+        <a:font script="Laoo" typeface="DokChampa"/>
+        <a:font script="Sinh" typeface="Iskoola Pota"/>
+        <a:font script="Mong" typeface="Mongolian Baiti"/>
+        <a:font script="Viet" typeface="Times New Roman"/>
+        <a:font script="Uigh" typeface="Microsoft Uighur"/>
+      </a:majorFont>
+      <a:minorFont>
+        <a:latin typeface="맑은 고딕"/>
+        <a:ea typeface=""/>
+        <a:cs typeface=""/>
+        <a:font script="Jpan" typeface="ＭＳ Ｐゴシック"/>
+        <a:font script="Hang" typeface="맑은 고딕"/>
+        <a:font script="Hans" typeface="宋体"/>
+        <a:font script="Hant" typeface="新細明體"/>
+        <a:font script="Arab" typeface="Arial"/>
+        <a:font script="Hebr" typeface="Arial"/>
+        <a:font script="Thai" typeface="Cordia New"/>
+        <a:font script="Ethi" typeface="Nyala"/>
+        <a:font script="Beng" typeface="Vrinda"/>
+        <a:font script="Gujr" typeface="Shruti"/>
+        <a:font script="Khmr" typeface="DaunPenh"/>
+        <a:font script="Knda" typeface="Tunga"/>
+        <a:font script="Guru" typeface="Raavi"/>
+        <a:font script="Cans" typeface="Euphemia"/>
+        <a:font script="Cher" typeface="Plantagenet Cherokee"/>
+        <a:font script="Yiii" typeface="Microsoft Yi Baiti"/>
+        <a:font script="Tibt" typeface="Microsoft Himalaya"/>
+        <a:font script="Thaa" typeface="MV Boli"/>
+        <a:font script="Deva" typeface="Mangal"/>
+        <a:font script="Telu" typeface="Gautami"/>
+        <a:font script="Taml" typeface="Latha"/>
+        <a:font script="Syrc" typeface="Estrangelo Edessa"/>
+        <a:font script="Orya" typeface="Kalinga"/>
+        <a:font script="Mlym" typeface="Kartika"/>
+        <a:font script="Laoo" typeface="DokChampa"/>
+        <a:font script="Sinh" typeface="Iskoola Pota"/>
+        <a:font script="Mong" typeface="Mongolian Baiti"/>
+        <a:font script="Viet" typeface="Arial"/>
+        <a:font script="Uigh" typeface="Microsoft Uighur"/>
+      </a:minorFont>
+    </a:fontScheme>
+    <a:fmtScheme name="Office">
+      <a:fillStyleLst>
+        <a:solidFill>
+          <a:schemeClr val="phClr"/>
+        </a:solidFill>
+        <a:gradFill rotWithShape="1">
+          <a:gsLst>
+            <a:gs pos="0">
+              <a:schemeClr val="phClr">
+                <a:tint val="50000"/>
+                <a:satMod val="300000"/>
+              </a:schemeClr>
+            </a:gs>
+            <a:gs pos="35000">
+              <a:schemeClr val="phClr">
+                <a:tint val="37000"/>
+                <a:satMod val="300000"/>
+              </a:schemeClr>
+            </a:gs>
+            <a:gs pos="100000">
+              <a:schemeClr val="phClr">
+                <a:tint val="15000"/>
+                <a:satMod val="350000"/>
+              </a:schemeClr>
+            </a:gs>
+          </a:gsLst>
+          <a:lin ang="16200000" scaled="1"/>
+        </a:gradFill>
+        <a:gradFill rotWithShape="1">
+          <a:gsLst>
+            <a:gs pos="0">
+              <a:schemeClr val="phClr">
+                <a:shade val="51000"/>
+                <a:satMod val="130000"/>
+              </a:schemeClr>
+            </a:gs>
+            <a:gs pos="80000">
+              <a:schemeClr val="phClr">
+                <a:shade val="93000"/>
+                <a:satMod val="130000"/>
+              </a:schemeClr>
+            </a:gs>
+            <a:gs pos="100000">
+              <a:schemeClr val="phClr">
+                <a:shade val="94000"/>
+                <a:satMod val="135000"/>
+              </a:schemeClr>
+            </a:gs>
+          </a:gsLst>
+          <a:lin ang="16200000" scaled="0"/>
+        </a:gradFill>
+      </a:fillStyleLst>
+      <a:lnStyleLst>
+        <a:ln w="9525" cap="flat" cmpd="sng" algn="ctr">
+          <a:solidFill>
+            <a:schemeClr val="phClr">
+              <a:shade val="95000"/>
+              <a:satMod val="105000"/>
+            </a:schemeClr>
+          </a:solidFill>
+          <a:prstDash val="solid"/>
+        </a:ln>
+        <a:ln w="25400" cap="flat" cmpd="sng" algn="ctr">
+          <a:solidFill>
+            <a:schemeClr val="phClr"/>
+          </a:solidFill>
+          <a:prstDash val="solid"/>
+        </a:ln>
+        <a:ln w="38100" cap="flat" cmpd="sng" algn="ctr">
+          <a:solidFill>
+            <a:schemeClr val="phClr"/>
+          </a:solidFill>
+          <a:prstDash val="solid"/>
+        </a:ln>
+      </a:lnStyleLst>
+      <a:effectStyleLst>
+        <a:effectStyle>
+          <a:effectLst>
+            <a:outerShdw blurRad="40000" dist="20000" dir="5400000" rotWithShape="0">
+              <a:srgbClr val="000000">
+                <a:alpha val="38000"/>
+              </a:srgbClr>
+            </a:outerShdw>
+          </a:effectLst>
+        </a:effectStyle>
+        <a:effectStyle>
+          <a:effectLst>
+            <a:outerShdw blurRad="40000" dist="23000" dir="5400000" rotWithShape="0">
+              <a:srgbClr val="000000">
+                <a:alpha val="35000"/>
+              </a:srgbClr>
+            </a:outerShdw>
+          </a:effectLst>
+        </a:effectStyle>
+        <a:effectStyle>
+          <a:effectLst>
+            <a:outerShdw blurRad="40000" dist="23000" dir="5400000" rotWithShape="0">
+              <a:srgbClr val="000000">
+                <a:alpha val="35000"/>
+              </a:srgbClr>
+            </a:outerShdw>
+          </a:effectLst>
+          <a:scene3d>
+            <a:camera prst="orthographicFront">
+              <a:rot lat="0" lon="0" rev="0"/>
+            </a:camera>
+            <a:lightRig rig="threePt" dir="t">
+              <a:rot lat="0" lon="0" rev="1200000"/>
+            </a:lightRig>
+          </a:scene3d>
+          <a:sp3d>
+            <a:bevelT w="63500" h="25400"/>
+          </a:sp3d>
+        </a:effectStyle>
+      </a:effectStyleLst>
+      <a:bgFillStyleLst>
+        <a:solidFill>
+          <a:schemeClr val="phClr"/>
+        </a:solidFill>
+        <a:gradFill rotWithShape="1">
+          <a:gsLst>
+            <a:gs pos="0">
+              <a:schemeClr val="phClr">
+                <a:tint val="40000"/>
+                <a:satMod val="350000"/>
+              </a:schemeClr>
+            </a:gs>
+            <a:gs pos="40000">
+              <a:schemeClr val="phClr">
+                <a:tint val="45000"/>
+                <a:shade val="99000"/>
+                <a:satMod val="350000"/>
+              </a:schemeClr>
+            </a:gs>
+            <a:gs pos="100000">
+              <a:schemeClr val="phClr">
+                <a:shade val="20000"/>
+                <a:satMod val="255000"/>
+              </a:schemeClr>
+            </a:gs>
+          </a:gsLst>
+          <a:path path="circle">
+            <a:fillToRect l="50000" t="-80000" r="50000" b="180000"/>
+          </a:path>
+        </a:gradFill>
+        <a:gradFill rotWithShape="1">
+          <a:gsLst>
+            <a:gs pos="0">
+              <a:schemeClr val="phClr">
+                <a:tint val="80000"/>
+                <a:satMod val="300000"/>
+              </a:schemeClr>
+            </a:gs>
+            <a:gs pos="100000">
+              <a:schemeClr val="phClr">
+                <a:shade val="30000"/>
+                <a:satMod val="200000"/>
+              </a:schemeClr>
+            </a:gs>
+          </a:gsLst>
+          <a:path path="circle">
+            <a:fillToRect l="50000" t="50000" r="50000" b="50000"/>
+          </a:path>
+        </a:gradFill>
+      </a:bgFillStyleLst>
+    </a:fmtScheme>
+  </a:themeElements>
+  <a:objectDefaults/>
+  <a:extraClrSchemeLst/>
 </a:theme>
 </file>
 
